--- a/FirstHalf/Metaheuristics.pptx
+++ b/FirstHalf/Metaheuristics.pptx
@@ -12,25 +12,26 @@
     <p:sldId id="271" r:id="rId6"/>
     <p:sldId id="281" r:id="rId7"/>
     <p:sldId id="280" r:id="rId8"/>
-    <p:sldId id="274" r:id="rId9"/>
-    <p:sldId id="275" r:id="rId10"/>
-    <p:sldId id="276" r:id="rId11"/>
-    <p:sldId id="256" r:id="rId12"/>
-    <p:sldId id="257" r:id="rId13"/>
-    <p:sldId id="258" r:id="rId14"/>
-    <p:sldId id="259" r:id="rId15"/>
-    <p:sldId id="260" r:id="rId16"/>
-    <p:sldId id="261" r:id="rId17"/>
-    <p:sldId id="262" r:id="rId18"/>
-    <p:sldId id="268" r:id="rId19"/>
-    <p:sldId id="269" r:id="rId20"/>
-    <p:sldId id="270" r:id="rId21"/>
-    <p:sldId id="277" r:id="rId22"/>
-    <p:sldId id="278" r:id="rId23"/>
-    <p:sldId id="265" r:id="rId24"/>
-    <p:sldId id="266" r:id="rId25"/>
-    <p:sldId id="263" r:id="rId26"/>
-    <p:sldId id="264" r:id="rId27"/>
+    <p:sldId id="282" r:id="rId9"/>
+    <p:sldId id="274" r:id="rId10"/>
+    <p:sldId id="275" r:id="rId11"/>
+    <p:sldId id="276" r:id="rId12"/>
+    <p:sldId id="256" r:id="rId13"/>
+    <p:sldId id="257" r:id="rId14"/>
+    <p:sldId id="258" r:id="rId15"/>
+    <p:sldId id="259" r:id="rId16"/>
+    <p:sldId id="260" r:id="rId17"/>
+    <p:sldId id="261" r:id="rId18"/>
+    <p:sldId id="262" r:id="rId19"/>
+    <p:sldId id="268" r:id="rId20"/>
+    <p:sldId id="269" r:id="rId21"/>
+    <p:sldId id="270" r:id="rId22"/>
+    <p:sldId id="277" r:id="rId23"/>
+    <p:sldId id="278" r:id="rId24"/>
+    <p:sldId id="265" r:id="rId25"/>
+    <p:sldId id="266" r:id="rId26"/>
+    <p:sldId id="263" r:id="rId27"/>
+    <p:sldId id="264" r:id="rId28"/>
   </p:sldIdLst>
   <p:sldSz cx="12192000" cy="6858000"/>
   <p:notesSz cx="6858000" cy="9144000"/>
@@ -750,13 +751,6 @@
           <pc:sldMk cId="1660702926" sldId="274"/>
         </pc:sldMkLst>
       </pc:sldChg>
-      <pc:sldChg chg="add del">
-        <pc:chgData name="高橋 輝" userId="267554a45908cbdc" providerId="LiveId" clId="{82A166A3-C779-4113-BE39-BAE13C9EB042}" dt="2022-10-27T05:07:52.302" v="1976" actId="2696"/>
-        <pc:sldMkLst>
-          <pc:docMk/>
-          <pc:sldMk cId="2257260413" sldId="274"/>
-        </pc:sldMkLst>
-      </pc:sldChg>
       <pc:sldChg chg="add">
         <pc:chgData name="高橋 輝" userId="267554a45908cbdc" providerId="LiveId" clId="{82A166A3-C779-4113-BE39-BAE13C9EB042}" dt="2022-10-27T05:08:36.837" v="1979"/>
         <pc:sldMkLst>
@@ -771,25 +765,11 @@
           <pc:sldMk cId="787831481" sldId="275"/>
         </pc:sldMkLst>
       </pc:sldChg>
-      <pc:sldChg chg="add">
-        <pc:chgData name="高橋 輝" userId="267554a45908cbdc" providerId="LiveId" clId="{82A166A3-C779-4113-BE39-BAE13C9EB042}" dt="2022-10-27T05:08:36.837" v="1979"/>
-        <pc:sldMkLst>
-          <pc:docMk/>
-          <pc:sldMk cId="2197668911" sldId="275"/>
-        </pc:sldMkLst>
-      </pc:sldChg>
       <pc:sldChg chg="add del">
         <pc:chgData name="高橋 輝" userId="267554a45908cbdc" providerId="LiveId" clId="{82A166A3-C779-4113-BE39-BAE13C9EB042}" dt="2022-10-27T05:07:52.302" v="1976" actId="2696"/>
         <pc:sldMkLst>
           <pc:docMk/>
           <pc:sldMk cId="2197668911" sldId="275"/>
-        </pc:sldMkLst>
-      </pc:sldChg>
-      <pc:sldChg chg="add">
-        <pc:chgData name="高橋 輝" userId="267554a45908cbdc" providerId="LiveId" clId="{82A166A3-C779-4113-BE39-BAE13C9EB042}" dt="2022-10-27T05:08:36.837" v="1979"/>
-        <pc:sldMkLst>
-          <pc:docMk/>
-          <pc:sldMk cId="3179083293" sldId="276"/>
         </pc:sldMkLst>
       </pc:sldChg>
       <pc:sldChg chg="add del">
@@ -806,25 +786,11 @@
           <pc:sldMk cId="3753066296" sldId="276"/>
         </pc:sldMkLst>
       </pc:sldChg>
-      <pc:sldChg chg="add">
-        <pc:chgData name="高橋 輝" userId="267554a45908cbdc" providerId="LiveId" clId="{82A166A3-C779-4113-BE39-BAE13C9EB042}" dt="2022-10-27T05:08:06.872" v="1977"/>
-        <pc:sldMkLst>
-          <pc:docMk/>
-          <pc:sldMk cId="196419422" sldId="277"/>
-        </pc:sldMkLst>
-      </pc:sldChg>
       <pc:sldChg chg="add del">
         <pc:chgData name="高橋 輝" userId="267554a45908cbdc" providerId="LiveId" clId="{82A166A3-C779-4113-BE39-BAE13C9EB042}" dt="2022-10-27T05:07:52.302" v="1976" actId="2696"/>
         <pc:sldMkLst>
           <pc:docMk/>
           <pc:sldMk cId="196419422" sldId="277"/>
-        </pc:sldMkLst>
-      </pc:sldChg>
-      <pc:sldChg chg="add">
-        <pc:chgData name="高橋 輝" userId="267554a45908cbdc" providerId="LiveId" clId="{82A166A3-C779-4113-BE39-BAE13C9EB042}" dt="2022-10-27T05:08:06.872" v="1977"/>
-        <pc:sldMkLst>
-          <pc:docMk/>
-          <pc:sldMk cId="746720911" sldId="278"/>
         </pc:sldMkLst>
       </pc:sldChg>
       <pc:sldChg chg="add del">
@@ -4702,6 +4668,116 @@
       </p:grpSpPr>
       <p:sp>
         <p:nvSpPr>
+          <p:cNvPr id="103" name="Simulated Annealing"/>
+          <p:cNvSpPr txBox="1">
+            <a:spLocks noGrp="1"/>
+          </p:cNvSpPr>
+          <p:nvPr>
+            <p:ph type="title"/>
+          </p:nvPr>
+        </p:nvSpPr>
+        <p:spPr>
+          <a:prstGeom prst="rect">
+            <a:avLst/>
+          </a:prstGeom>
+        </p:spPr>
+        <p:txBody>
+          <a:bodyPr/>
+          <a:lstStyle/>
+          <a:p>
+            <a:r>
+              <a:t>Simulated Annealing</a:t>
+            </a:r>
+          </a:p>
+        </p:txBody>
+      </p:sp>
+      <p:sp>
+        <p:nvSpPr>
+          <p:cNvPr id="104" name="Step 1 : Initialize best routes randomly and T.…"/>
+          <p:cNvSpPr txBox="1">
+            <a:spLocks noGrp="1"/>
+          </p:cNvSpPr>
+          <p:nvPr>
+            <p:ph type="body" idx="1"/>
+          </p:nvPr>
+        </p:nvSpPr>
+        <p:spPr>
+          <a:prstGeom prst="rect">
+            <a:avLst/>
+          </a:prstGeom>
+        </p:spPr>
+        <p:txBody>
+          <a:bodyPr/>
+          <a:lstStyle/>
+          <a:p>
+            <a:r>
+              <a:t>Step 1 : Initialize best routes randomly and T.</a:t>
+            </a:r>
+          </a:p>
+          <a:p>
+            <a:r>
+              <a:t>Step 2 : Generate New routes.  </a:t>
+            </a:r>
+          </a:p>
+          <a:p>
+            <a:r>
+              <a:t>Step 3 : Calculate Total Distance Cost.</a:t>
+            </a:r>
+          </a:p>
+          <a:p>
+            <a:r>
+              <a:t>Step 4 : If new routes are better, replace old best routes.</a:t>
+            </a:r>
+            <a:br/>
+            <a:r>
+              <a:t>              Else replace with probability p(s’|T)</a:t>
+            </a:r>
+          </a:p>
+          <a:p>
+            <a:r>
+              <a:t>Step 5 : If not replace, return to Step 2. else, update T.</a:t>
+            </a:r>
+          </a:p>
+          <a:p>
+            <a:r>
+              <a:t>Step 6 : Stop if terminating condition satisfied. else Return to Step 2. </a:t>
+            </a:r>
+          </a:p>
+        </p:txBody>
+      </p:sp>
+    </p:spTree>
+    <p:extLst>
+      <p:ext uri="{BB962C8B-B14F-4D97-AF65-F5344CB8AC3E}">
+        <p14:creationId xmlns:p14="http://schemas.microsoft.com/office/powerpoint/2010/main" val="2197668911"/>
+      </p:ext>
+    </p:extLst>
+  </p:cSld>
+  <p:clrMapOvr>
+    <a:masterClrMapping/>
+  </p:clrMapOvr>
+  <p:transition spd="med"/>
+</p:sld>
+</file>
+
+<file path=ppt/slides/slide11.xml><?xml version="1.0" encoding="utf-8"?>
+<p:sld xmlns:a="http://schemas.openxmlformats.org/drawingml/2006/main" xmlns:r="http://schemas.openxmlformats.org/officeDocument/2006/relationships" xmlns:p="http://schemas.openxmlformats.org/presentationml/2006/main">
+  <p:cSld>
+    <p:spTree>
+      <p:nvGrpSpPr>
+        <p:cNvPr id="1" name=""/>
+        <p:cNvGrpSpPr/>
+        <p:nvPr/>
+      </p:nvGrpSpPr>
+      <p:grpSpPr>
+        <a:xfrm>
+          <a:off x="0" y="0"/>
+          <a:ext cx="0" cy="0"/>
+          <a:chOff x="0" y="0"/>
+          <a:chExt cx="0" cy="0"/>
+        </a:xfrm>
+      </p:grpSpPr>
+      <p:sp>
+        <p:nvSpPr>
           <p:cNvPr id="106" name="Parameters  TS and SA"/>
           <p:cNvSpPr txBox="1">
             <a:spLocks noGrp="1"/>
@@ -4788,7 +4864,7 @@
 </p:sld>
 </file>
 
-<file path=ppt/slides/slide11.xml><?xml version="1.0" encoding="utf-8"?>
+<file path=ppt/slides/slide12.xml><?xml version="1.0" encoding="utf-8"?>
 <p:sld xmlns:a="http://schemas.openxmlformats.org/drawingml/2006/main" xmlns:r="http://schemas.openxmlformats.org/officeDocument/2006/relationships" xmlns:p="http://schemas.openxmlformats.org/presentationml/2006/main">
   <p:cSld>
     <p:spTree>
@@ -4922,7 +4998,7 @@
 </p:sld>
 </file>
 
-<file path=ppt/slides/slide12.xml><?xml version="1.0" encoding="utf-8"?>
+<file path=ppt/slides/slide13.xml><?xml version="1.0" encoding="utf-8"?>
 <p:sld xmlns:a="http://schemas.openxmlformats.org/drawingml/2006/main" xmlns:r="http://schemas.openxmlformats.org/officeDocument/2006/relationships" xmlns:p="http://schemas.openxmlformats.org/presentationml/2006/main">
   <p:cSld>
     <p:spTree>
@@ -5484,7 +5560,7 @@
 </p:sld>
 </file>
 
-<file path=ppt/slides/slide13.xml><?xml version="1.0" encoding="utf-8"?>
+<file path=ppt/slides/slide14.xml><?xml version="1.0" encoding="utf-8"?>
 <p:sld xmlns:a="http://schemas.openxmlformats.org/drawingml/2006/main" xmlns:r="http://schemas.openxmlformats.org/officeDocument/2006/relationships" xmlns:p="http://schemas.openxmlformats.org/presentationml/2006/main">
   <p:cSld>
     <p:spTree>
@@ -6067,7 +6143,7 @@
 </p:sld>
 </file>
 
-<file path=ppt/slides/slide14.xml><?xml version="1.0" encoding="utf-8"?>
+<file path=ppt/slides/slide15.xml><?xml version="1.0" encoding="utf-8"?>
 <p:sld xmlns:a="http://schemas.openxmlformats.org/drawingml/2006/main" xmlns:r="http://schemas.openxmlformats.org/officeDocument/2006/relationships" xmlns:p="http://schemas.openxmlformats.org/presentationml/2006/main">
   <p:cSld>
     <p:spTree>
@@ -6844,7 +6920,7 @@
 </p:sld>
 </file>
 
-<file path=ppt/slides/slide15.xml><?xml version="1.0" encoding="utf-8"?>
+<file path=ppt/slides/slide16.xml><?xml version="1.0" encoding="utf-8"?>
 <p:sld xmlns:a="http://schemas.openxmlformats.org/drawingml/2006/main" xmlns:r="http://schemas.openxmlformats.org/officeDocument/2006/relationships" xmlns:p="http://schemas.openxmlformats.org/presentationml/2006/main">
   <p:cSld>
     <p:spTree>
@@ -7397,7 +7473,7 @@
 </p:sld>
 </file>
 
-<file path=ppt/slides/slide16.xml><?xml version="1.0" encoding="utf-8"?>
+<file path=ppt/slides/slide17.xml><?xml version="1.0" encoding="utf-8"?>
 <p:sld xmlns:a="http://schemas.openxmlformats.org/drawingml/2006/main" xmlns:r="http://schemas.openxmlformats.org/officeDocument/2006/relationships" xmlns:p="http://schemas.openxmlformats.org/presentationml/2006/main">
   <p:cSld>
     <p:spTree>
@@ -8194,7 +8270,7 @@
 </p:sld>
 </file>
 
-<file path=ppt/slides/slide17.xml><?xml version="1.0" encoding="utf-8"?>
+<file path=ppt/slides/slide18.xml><?xml version="1.0" encoding="utf-8"?>
 <p:sld xmlns:a="http://schemas.openxmlformats.org/drawingml/2006/main" xmlns:r="http://schemas.openxmlformats.org/officeDocument/2006/relationships" xmlns:p="http://schemas.openxmlformats.org/presentationml/2006/main">
   <p:cSld>
     <p:spTree>
@@ -8489,7 +8565,7 @@
 </p:sld>
 </file>
 
-<file path=ppt/slides/slide18.xml><?xml version="1.0" encoding="utf-8"?>
+<file path=ppt/slides/slide19.xml><?xml version="1.0" encoding="utf-8"?>
 <p:sld xmlns:a="http://schemas.openxmlformats.org/drawingml/2006/main" xmlns:r="http://schemas.openxmlformats.org/officeDocument/2006/relationships" xmlns:p="http://schemas.openxmlformats.org/presentationml/2006/main">
   <p:cSld>
     <p:spTree>
@@ -8572,7 +8648,127 @@
 </p:sld>
 </file>
 
-<file path=ppt/slides/slide19.xml><?xml version="1.0" encoding="utf-8"?>
+<file path=ppt/slides/slide2.xml><?xml version="1.0" encoding="utf-8"?>
+<p:sld xmlns:a="http://schemas.openxmlformats.org/drawingml/2006/main" xmlns:r="http://schemas.openxmlformats.org/officeDocument/2006/relationships" xmlns:p="http://schemas.openxmlformats.org/presentationml/2006/main">
+  <p:cSld>
+    <p:spTree>
+      <p:nvGrpSpPr>
+        <p:cNvPr id="1" name=""/>
+        <p:cNvGrpSpPr/>
+        <p:nvPr/>
+      </p:nvGrpSpPr>
+      <p:grpSpPr>
+        <a:xfrm>
+          <a:off x="0" y="0"/>
+          <a:ext cx="0" cy="0"/>
+          <a:chOff x="0" y="0"/>
+          <a:chExt cx="0" cy="0"/>
+        </a:xfrm>
+      </p:grpSpPr>
+      <p:sp>
+        <p:nvSpPr>
+          <p:cNvPr id="97" name="Outline"/>
+          <p:cNvSpPr txBox="1">
+            <a:spLocks noGrp="1"/>
+          </p:cNvSpPr>
+          <p:nvPr>
+            <p:ph type="title"/>
+          </p:nvPr>
+        </p:nvSpPr>
+        <p:spPr>
+          <a:prstGeom prst="rect">
+            <a:avLst/>
+          </a:prstGeom>
+        </p:spPr>
+        <p:txBody>
+          <a:bodyPr/>
+          <a:lstStyle/>
+          <a:p>
+            <a:r>
+              <a:t>Outline </a:t>
+            </a:r>
+          </a:p>
+        </p:txBody>
+      </p:sp>
+      <p:sp>
+        <p:nvSpPr>
+          <p:cNvPr id="98" name="Problem setting…"/>
+          <p:cNvSpPr txBox="1">
+            <a:spLocks noGrp="1"/>
+          </p:cNvSpPr>
+          <p:nvPr>
+            <p:ph type="body" idx="1"/>
+          </p:nvPr>
+        </p:nvSpPr>
+        <p:spPr>
+          <a:prstGeom prst="rect">
+            <a:avLst/>
+          </a:prstGeom>
+        </p:spPr>
+        <p:txBody>
+          <a:bodyPr/>
+          <a:lstStyle/>
+          <a:p>
+            <a:r>
+              <a:rPr dirty="0"/>
+              <a:t>Problem setting</a:t>
+            </a:r>
+            <a:r>
+              <a:rPr lang="en-GB" dirty="0"/>
+              <a:t>s</a:t>
+            </a:r>
+          </a:p>
+          <a:p>
+            <a:r>
+              <a:rPr lang="en-US" dirty="0"/>
+              <a:t>Data Preparation</a:t>
+            </a:r>
+            <a:endParaRPr dirty="0"/>
+          </a:p>
+          <a:p>
+            <a:r>
+              <a:rPr dirty="0"/>
+              <a:t>Methods </a:t>
+            </a:r>
+          </a:p>
+          <a:p>
+            <a:r>
+              <a:rPr dirty="0"/>
+              <a:t>Result </a:t>
+            </a:r>
+          </a:p>
+          <a:p>
+            <a:r>
+              <a:rPr dirty="0"/>
+              <a:t>Discussion</a:t>
+            </a:r>
+            <a:endParaRPr lang="en-GB" dirty="0"/>
+          </a:p>
+          <a:p>
+            <a:r>
+              <a:rPr lang="en-US" dirty="0"/>
+              <a:t>Appendix</a:t>
+            </a:r>
+          </a:p>
+          <a:p>
+            <a:r>
+              <a:rPr lang="en-US" dirty="0"/>
+              <a:t>References</a:t>
+            </a:r>
+            <a:endParaRPr dirty="0"/>
+          </a:p>
+        </p:txBody>
+      </p:sp>
+    </p:spTree>
+  </p:cSld>
+  <p:clrMapOvr>
+    <a:masterClrMapping/>
+  </p:clrMapOvr>
+  <p:transition spd="med"/>
+</p:sld>
+</file>
+
+<file path=ppt/slides/slide20.xml><?xml version="1.0" encoding="utf-8"?>
 <p:sld xmlns:a="http://schemas.openxmlformats.org/drawingml/2006/main" xmlns:r="http://schemas.openxmlformats.org/officeDocument/2006/relationships" xmlns:p="http://schemas.openxmlformats.org/presentationml/2006/main">
   <p:cSld>
     <p:spTree>
@@ -10326,127 +10522,7 @@
 </p:sld>
 </file>
 
-<file path=ppt/slides/slide2.xml><?xml version="1.0" encoding="utf-8"?>
-<p:sld xmlns:a="http://schemas.openxmlformats.org/drawingml/2006/main" xmlns:r="http://schemas.openxmlformats.org/officeDocument/2006/relationships" xmlns:p="http://schemas.openxmlformats.org/presentationml/2006/main">
-  <p:cSld>
-    <p:spTree>
-      <p:nvGrpSpPr>
-        <p:cNvPr id="1" name=""/>
-        <p:cNvGrpSpPr/>
-        <p:nvPr/>
-      </p:nvGrpSpPr>
-      <p:grpSpPr>
-        <a:xfrm>
-          <a:off x="0" y="0"/>
-          <a:ext cx="0" cy="0"/>
-          <a:chOff x="0" y="0"/>
-          <a:chExt cx="0" cy="0"/>
-        </a:xfrm>
-      </p:grpSpPr>
-      <p:sp>
-        <p:nvSpPr>
-          <p:cNvPr id="97" name="Outline"/>
-          <p:cNvSpPr txBox="1">
-            <a:spLocks noGrp="1"/>
-          </p:cNvSpPr>
-          <p:nvPr>
-            <p:ph type="title"/>
-          </p:nvPr>
-        </p:nvSpPr>
-        <p:spPr>
-          <a:prstGeom prst="rect">
-            <a:avLst/>
-          </a:prstGeom>
-        </p:spPr>
-        <p:txBody>
-          <a:bodyPr/>
-          <a:lstStyle/>
-          <a:p>
-            <a:r>
-              <a:t>Outline </a:t>
-            </a:r>
-          </a:p>
-        </p:txBody>
-      </p:sp>
-      <p:sp>
-        <p:nvSpPr>
-          <p:cNvPr id="98" name="Problem setting…"/>
-          <p:cNvSpPr txBox="1">
-            <a:spLocks noGrp="1"/>
-          </p:cNvSpPr>
-          <p:nvPr>
-            <p:ph type="body" idx="1"/>
-          </p:nvPr>
-        </p:nvSpPr>
-        <p:spPr>
-          <a:prstGeom prst="rect">
-            <a:avLst/>
-          </a:prstGeom>
-        </p:spPr>
-        <p:txBody>
-          <a:bodyPr/>
-          <a:lstStyle/>
-          <a:p>
-            <a:r>
-              <a:rPr dirty="0"/>
-              <a:t>Problem setting</a:t>
-            </a:r>
-            <a:r>
-              <a:rPr lang="en-GB" dirty="0"/>
-              <a:t>s</a:t>
-            </a:r>
-          </a:p>
-          <a:p>
-            <a:r>
-              <a:rPr lang="en-US" dirty="0"/>
-              <a:t>Data Preparation</a:t>
-            </a:r>
-            <a:endParaRPr dirty="0"/>
-          </a:p>
-          <a:p>
-            <a:r>
-              <a:rPr dirty="0"/>
-              <a:t>Methods </a:t>
-            </a:r>
-          </a:p>
-          <a:p>
-            <a:r>
-              <a:rPr dirty="0"/>
-              <a:t>Result </a:t>
-            </a:r>
-          </a:p>
-          <a:p>
-            <a:r>
-              <a:rPr dirty="0"/>
-              <a:t>Discussion</a:t>
-            </a:r>
-            <a:endParaRPr lang="en-GB" dirty="0"/>
-          </a:p>
-          <a:p>
-            <a:r>
-              <a:rPr lang="en-US" dirty="0"/>
-              <a:t>Appendix</a:t>
-            </a:r>
-          </a:p>
-          <a:p>
-            <a:r>
-              <a:rPr lang="en-US" dirty="0"/>
-              <a:t>References</a:t>
-            </a:r>
-            <a:endParaRPr dirty="0"/>
-          </a:p>
-        </p:txBody>
-      </p:sp>
-    </p:spTree>
-  </p:cSld>
-  <p:clrMapOvr>
-    <a:masterClrMapping/>
-  </p:clrMapOvr>
-  <p:transition spd="med"/>
-</p:sld>
-</file>
-
-<file path=ppt/slides/slide20.xml><?xml version="1.0" encoding="utf-8"?>
+<file path=ppt/slides/slide21.xml><?xml version="1.0" encoding="utf-8"?>
 <p:sld xmlns:a="http://schemas.openxmlformats.org/drawingml/2006/main" xmlns:r="http://schemas.openxmlformats.org/officeDocument/2006/relationships" xmlns:p="http://schemas.openxmlformats.org/presentationml/2006/main">
   <p:cSld>
     <p:spTree>
@@ -11400,7 +11476,7 @@
 </p:sld>
 </file>
 
-<file path=ppt/slides/slide21.xml><?xml version="1.0" encoding="utf-8"?>
+<file path=ppt/slides/slide22.xml><?xml version="1.0" encoding="utf-8"?>
 <p:sld xmlns:a="http://schemas.openxmlformats.org/drawingml/2006/main" xmlns:r="http://schemas.openxmlformats.org/officeDocument/2006/relationships" xmlns:p="http://schemas.openxmlformats.org/presentationml/2006/main">
   <p:cSld>
     <p:spTree>
@@ -11499,7 +11575,7 @@
 </p:sld>
 </file>
 
-<file path=ppt/slides/slide22.xml><?xml version="1.0" encoding="utf-8"?>
+<file path=ppt/slides/slide23.xml><?xml version="1.0" encoding="utf-8"?>
 <p:sld xmlns:a="http://schemas.openxmlformats.org/drawingml/2006/main" xmlns:r="http://schemas.openxmlformats.org/officeDocument/2006/relationships" xmlns:p="http://schemas.openxmlformats.org/presentationml/2006/main">
   <p:cSld>
     <p:spTree>
@@ -11603,7 +11679,7 @@
 </p:sld>
 </file>
 
-<file path=ppt/slides/slide23.xml><?xml version="1.0" encoding="utf-8"?>
+<file path=ppt/slides/slide24.xml><?xml version="1.0" encoding="utf-8"?>
 <p:sld xmlns:a="http://schemas.openxmlformats.org/drawingml/2006/main" xmlns:r="http://schemas.openxmlformats.org/officeDocument/2006/relationships" xmlns:p="http://schemas.openxmlformats.org/presentationml/2006/main">
   <p:cSld>
     <p:spTree>
@@ -11686,7 +11762,7 @@
 </p:sld>
 </file>
 
-<file path=ppt/slides/slide24.xml><?xml version="1.0" encoding="utf-8"?>
+<file path=ppt/slides/slide25.xml><?xml version="1.0" encoding="utf-8"?>
 <p:sld xmlns:a="http://schemas.openxmlformats.org/drawingml/2006/main" xmlns:r="http://schemas.openxmlformats.org/officeDocument/2006/relationships" xmlns:p="http://schemas.openxmlformats.org/presentationml/2006/main">
   <p:cSld>
     <p:spTree>
@@ -11850,7 +11926,7 @@
 </p:sld>
 </file>
 
-<file path=ppt/slides/slide25.xml><?xml version="1.0" encoding="utf-8"?>
+<file path=ppt/slides/slide26.xml><?xml version="1.0" encoding="utf-8"?>
 <p:sld xmlns:a="http://schemas.openxmlformats.org/drawingml/2006/main" xmlns:r="http://schemas.openxmlformats.org/officeDocument/2006/relationships" xmlns:p="http://schemas.openxmlformats.org/presentationml/2006/main">
   <p:cSld>
     <p:spTree>
@@ -11933,7 +12009,7 @@
 </p:sld>
 </file>
 
-<file path=ppt/slides/slide26.xml><?xml version="1.0" encoding="utf-8"?>
+<file path=ppt/slides/slide27.xml><?xml version="1.0" encoding="utf-8"?>
 <p:sld xmlns:a="http://schemas.openxmlformats.org/drawingml/2006/main" xmlns:r="http://schemas.openxmlformats.org/officeDocument/2006/relationships" xmlns:p="http://schemas.openxmlformats.org/presentationml/2006/main">
   <p:cSld>
     <p:spTree>
@@ -14300,83 +14376,116 @@
       </p:grpSpPr>
       <p:sp>
         <p:nvSpPr>
-          <p:cNvPr id="100" name="Tabu Search"/>
-          <p:cNvSpPr txBox="1">
+          <p:cNvPr id="2" name="タイトル 1">
+            <a:extLst>
+              <a:ext uri="{FF2B5EF4-FFF2-40B4-BE49-F238E27FC236}">
+                <a16:creationId xmlns:a16="http://schemas.microsoft.com/office/drawing/2014/main" id="{2DFF35C1-CC48-33D3-52DD-623C0CE60A3D}"/>
+              </a:ext>
+            </a:extLst>
+          </p:cNvPr>
+          <p:cNvSpPr>
             <a:spLocks noGrp="1"/>
           </p:cNvSpPr>
           <p:nvPr>
             <p:ph type="title"/>
           </p:nvPr>
         </p:nvSpPr>
-        <p:spPr>
-          <a:prstGeom prst="rect">
-            <a:avLst/>
-          </a:prstGeom>
-        </p:spPr>
+        <p:spPr/>
         <p:txBody>
           <a:bodyPr/>
           <a:lstStyle/>
           <a:p>
             <a:r>
-              <a:t>Tabu Search</a:t>
-            </a:r>
+              <a:rPr kumimoji="1" lang="en-US" altLang="ja-JP" dirty="0"/>
+              <a:t>2-opt</a:t>
+            </a:r>
+            <a:endParaRPr kumimoji="1" lang="ja-JP" altLang="en-US"/>
           </a:p>
         </p:txBody>
       </p:sp>
       <p:sp>
         <p:nvSpPr>
-          <p:cNvPr id="101" name="Step 1 : Initialize best routes randomly.…"/>
-          <p:cNvSpPr txBox="1">
+          <p:cNvPr id="3" name="テキスト プレースホルダー 2">
+            <a:extLst>
+              <a:ext uri="{FF2B5EF4-FFF2-40B4-BE49-F238E27FC236}">
+                <a16:creationId xmlns:a16="http://schemas.microsoft.com/office/drawing/2014/main" id="{B53981A0-4CB8-79AC-68B3-0D96B50FDFFB}"/>
+              </a:ext>
+            </a:extLst>
+          </p:cNvPr>
+          <p:cNvSpPr>
             <a:spLocks noGrp="1"/>
           </p:cNvSpPr>
           <p:nvPr>
             <p:ph type="body" idx="1"/>
           </p:nvPr>
         </p:nvSpPr>
+        <p:spPr/>
+        <p:txBody>
+          <a:bodyPr>
+            <a:normAutofit/>
+          </a:bodyPr>
+          <a:lstStyle/>
+          <a:p>
+            <a:r>
+              <a:rPr kumimoji="1" lang="en" altLang="ja-JP" dirty="0"/>
+              <a:t>2-opt is to choose two edges at random, and join them to the one with the lower cost.</a:t>
+            </a:r>
+          </a:p>
+          <a:p>
+            <a:r>
+              <a:rPr lang="en" altLang="ja-JP" b="0" i="0" dirty="0">
+                <a:solidFill>
+                  <a:srgbClr val="202122"/>
+                </a:solidFill>
+                <a:effectLst/>
+                <a:latin typeface="Arial" panose="020B0604020202020204" pitchFamily="34" charset="0"/>
+              </a:rPr>
+              <a:t>The main idea behind it is to take a route that crosses over itself and reorder it so that it does not.</a:t>
+            </a:r>
+            <a:endParaRPr kumimoji="1" lang="ja-JP" altLang="en-US"/>
+          </a:p>
+        </p:txBody>
+      </p:sp>
+      <p:pic>
+        <p:nvPicPr>
+          <p:cNvPr id="7" name="図 6" descr="時計, メーター が含まれている画像&#10;&#10;自動的に生成された説明">
+            <a:extLst>
+              <a:ext uri="{FF2B5EF4-FFF2-40B4-BE49-F238E27FC236}">
+                <a16:creationId xmlns:a16="http://schemas.microsoft.com/office/drawing/2014/main" id="{E8A972D0-A304-8C22-AFE5-FDCDD113F8A3}"/>
+              </a:ext>
+            </a:extLst>
+          </p:cNvPr>
+          <p:cNvPicPr>
+            <a:picLocks noChangeAspect="1"/>
+          </p:cNvPicPr>
+          <p:nvPr/>
+        </p:nvPicPr>
+        <p:blipFill>
+          <a:blip r:embed="rId2">
+            <a:extLst>
+              <a:ext uri="{28A0092B-C50C-407E-A947-70E740481C1C}">
+                <a14:useLocalDpi xmlns:a14="http://schemas.microsoft.com/office/drawing/2010/main" val="0"/>
+              </a:ext>
+            </a:extLst>
+          </a:blip>
+          <a:stretch>
+            <a:fillRect/>
+          </a:stretch>
+        </p:blipFill>
         <p:spPr>
+          <a:xfrm>
+            <a:off x="4908451" y="3692423"/>
+            <a:ext cx="6525003" cy="2370751"/>
+          </a:xfrm>
           <a:prstGeom prst="rect">
             <a:avLst/>
           </a:prstGeom>
         </p:spPr>
-        <p:txBody>
-          <a:bodyPr/>
-          <a:lstStyle/>
-          <a:p>
-            <a:r>
-              <a:t>Step 1 : Initialize best routes randomly.</a:t>
-            </a:r>
-          </a:p>
-          <a:p>
-            <a:r>
-              <a:t>Step 2 : Generate New routes.  </a:t>
-            </a:r>
-          </a:p>
-          <a:p>
-            <a:r>
-              <a:t>Step 3 : Calculate Total Distance Cost.</a:t>
-            </a:r>
-          </a:p>
-          <a:p>
-            <a:r>
-              <a:t>Step 4 : If new routes are better, replace old best routes.</a:t>
-            </a:r>
-          </a:p>
-          <a:p>
-            <a:r>
-              <a:t>Step 5 : Update Tabu List  and best routes.</a:t>
-            </a:r>
-          </a:p>
-          <a:p>
-            <a:r>
-              <a:t>Step 6 : Stop if terminating condition satisfied. else Return to Step 2. </a:t>
-            </a:r>
-          </a:p>
-        </p:txBody>
-      </p:sp>
+      </p:pic>
     </p:spTree>
     <p:extLst>
       <p:ext uri="{BB962C8B-B14F-4D97-AF65-F5344CB8AC3E}">
-        <p14:creationId xmlns:p14="http://schemas.microsoft.com/office/powerpoint/2010/main" val="2257260413"/>
+        <p14:creationId xmlns:p14="http://schemas.microsoft.com/office/powerpoint/2010/main" val="1607749146"/>
       </p:ext>
     </p:extLst>
   </p:cSld>
@@ -14406,7 +14515,7 @@
       </p:grpSpPr>
       <p:sp>
         <p:nvSpPr>
-          <p:cNvPr id="103" name="Simulated Annealing"/>
+          <p:cNvPr id="100" name="Tabu Search"/>
           <p:cNvSpPr txBox="1">
             <a:spLocks noGrp="1"/>
           </p:cNvSpPr>
@@ -14424,14 +14533,14 @@
           <a:lstStyle/>
           <a:p>
             <a:r>
-              <a:t>Simulated Annealing</a:t>
+              <a:t>Tabu Search</a:t>
             </a:r>
           </a:p>
         </p:txBody>
       </p:sp>
       <p:sp>
         <p:nvSpPr>
-          <p:cNvPr id="104" name="Step 1 : Initialize best routes randomly and T.…"/>
+          <p:cNvPr id="101" name="Step 1 : Initialize best routes randomly.…"/>
           <p:cNvSpPr txBox="1">
             <a:spLocks noGrp="1"/>
           </p:cNvSpPr>
@@ -14449,7 +14558,7 @@
           <a:lstStyle/>
           <a:p>
             <a:r>
-              <a:t>Step 1 : Initialize best routes randomly and T.</a:t>
+              <a:t>Step 1 : Initialize best routes randomly.</a:t>
             </a:r>
           </a:p>
           <a:p>
@@ -14466,14 +14575,10 @@
             <a:r>
               <a:t>Step 4 : If new routes are better, replace old best routes.</a:t>
             </a:r>
-            <a:br/>
-            <a:r>
-              <a:t>              Else replace with probability p(s’|T)</a:t>
-            </a:r>
-          </a:p>
-          <a:p>
-            <a:r>
-              <a:t>Step 5 : If not replace, return to Step 2. else, update T.</a:t>
+          </a:p>
+          <a:p>
+            <a:r>
+              <a:t>Step 5 : Update Tabu List  and best routes.</a:t>
             </a:r>
           </a:p>
           <a:p>
@@ -14486,7 +14591,7 @@
     </p:spTree>
     <p:extLst>
       <p:ext uri="{BB962C8B-B14F-4D97-AF65-F5344CB8AC3E}">
-        <p14:creationId xmlns:p14="http://schemas.microsoft.com/office/powerpoint/2010/main" val="2197668911"/>
+        <p14:creationId xmlns:p14="http://schemas.microsoft.com/office/powerpoint/2010/main" val="2257260413"/>
       </p:ext>
     </p:extLst>
   </p:cSld>

--- a/FirstHalf/Metaheuristics.pptx
+++ b/FirstHalf/Metaheuristics.pptx
@@ -4932,7 +4932,7 @@
           <a:p>
             <a:r>
               <a:rPr lang="en-GB" dirty="0"/>
-              <a:t>A weak point of local search methods is that it can be trapped in </a:t>
+              <a:t>A weak point of local search methods is it can be trapped in </a:t>
             </a:r>
             <a:r>
               <a:rPr lang="en-GB" dirty="0">
